--- a/transplantsfin.pptx
+++ b/transplantsfin.pptx
@@ -14524,7 +14524,7 @@
       </p:grpSpPr>
       <p:pic>
         <p:nvPicPr>
-          <p:cNvPr id="6" name="Imagen 5"/>
+          <p:cNvPr id="8" name="Imagen 7"/>
           <p:cNvPicPr>
             <a:picLocks noChangeAspect="1"/>
           </p:cNvPicPr>
@@ -14544,8 +14544,8 @@
         </p:blipFill>
         <p:spPr>
           <a:xfrm>
-            <a:off x="1333500" y="596900"/>
-            <a:ext cx="5775488" cy="2108200"/>
+            <a:off x="7696200" y="1574800"/>
+            <a:ext cx="1041400" cy="2273300"/>
           </a:xfrm>
           <a:prstGeom prst="rect">
             <a:avLst/>
@@ -14554,7 +14554,7 @@
       </p:pic>
       <p:pic>
         <p:nvPicPr>
-          <p:cNvPr id="8" name="Imagen 7"/>
+          <p:cNvPr id="2" name="Imagen 1"/>
           <p:cNvPicPr>
             <a:picLocks noChangeAspect="1"/>
           </p:cNvPicPr>
@@ -14574,8 +14574,8 @@
         </p:blipFill>
         <p:spPr>
           <a:xfrm>
-            <a:off x="7561826" y="2362200"/>
-            <a:ext cx="1170081" cy="2273300"/>
+            <a:off x="1243392" y="0"/>
+            <a:ext cx="6208688" cy="3175000"/>
           </a:xfrm>
           <a:prstGeom prst="rect">
             <a:avLst/>
@@ -14584,7 +14584,7 @@
       </p:pic>
       <p:pic>
         <p:nvPicPr>
-          <p:cNvPr id="9" name="Imagen 8"/>
+          <p:cNvPr id="3" name="Imagen 2"/>
           <p:cNvPicPr>
             <a:picLocks noChangeAspect="1"/>
           </p:cNvPicPr>
@@ -14604,8 +14604,8 @@
         </p:blipFill>
         <p:spPr>
           <a:xfrm>
-            <a:off x="1573294" y="3162300"/>
-            <a:ext cx="5295900" cy="1587500"/>
+            <a:off x="1243392" y="3498850"/>
+            <a:ext cx="6318434" cy="1257300"/>
           </a:xfrm>
           <a:prstGeom prst="rect">
             <a:avLst/>
@@ -14699,7 +14699,7 @@
       </p:pic>
       <p:pic>
         <p:nvPicPr>
-          <p:cNvPr id="13" name="Imagen 12"/>
+          <p:cNvPr id="2" name="Imagen 1"/>
           <p:cNvPicPr>
             <a:picLocks noChangeAspect="1"/>
           </p:cNvPicPr>
@@ -14719,8 +14719,8 @@
         </p:blipFill>
         <p:spPr>
           <a:xfrm>
-            <a:off x="1816100" y="3810000"/>
-            <a:ext cx="5880920" cy="1257300"/>
+            <a:off x="1225960" y="3609300"/>
+            <a:ext cx="7061200" cy="1257300"/>
           </a:xfrm>
           <a:prstGeom prst="rect">
             <a:avLst/>
